--- a/Documentation/Payment_Information_Application.pptx
+++ b/Documentation/Payment_Information_Application.pptx
@@ -247,7 +247,7 @@
             <a:fld id="{1D8BD707-D9CF-40AE-B4C6-C98DA3205C09}" type="datetimeFigureOut">
               <a:rPr lang="en-US" smtClean="0"/>
               <a:pPr/>
-              <a:t>9/28/2023</a:t>
+              <a:t>9/29/2023</a:t>
             </a:fld>
             <a:endParaRPr lang="en-US"/>
           </a:p>
@@ -1118,7 +1118,7 @@
             <a:fld id="{1D8BD707-D9CF-40AE-B4C6-C98DA3205C09}" type="datetimeFigureOut">
               <a:rPr lang="en-US" smtClean="0"/>
               <a:pPr/>
-              <a:t>9/28/2023</a:t>
+              <a:t>9/29/2023</a:t>
             </a:fld>
             <a:endParaRPr lang="en-US"/>
           </a:p>
@@ -1295,7 +1295,7 @@
             <a:fld id="{1D8BD707-D9CF-40AE-B4C6-C98DA3205C09}" type="datetimeFigureOut">
               <a:rPr lang="en-US" smtClean="0"/>
               <a:pPr/>
-              <a:t>9/28/2023</a:t>
+              <a:t>9/29/2023</a:t>
             </a:fld>
             <a:endParaRPr lang="en-US"/>
           </a:p>
@@ -1467,7 +1467,7 @@
             <a:fld id="{1D8BD707-D9CF-40AE-B4C6-C98DA3205C09}" type="datetimeFigureOut">
               <a:rPr lang="en-US" smtClean="0"/>
               <a:pPr/>
-              <a:t>9/28/2023</a:t>
+              <a:t>9/29/2023</a:t>
             </a:fld>
             <a:endParaRPr lang="en-US"/>
           </a:p>
@@ -1679,7 +1679,7 @@
             <a:fld id="{1D8BD707-D9CF-40AE-B4C6-C98DA3205C09}" type="datetimeFigureOut">
               <a:rPr lang="en-US" smtClean="0"/>
               <a:pPr/>
-              <a:t>9/28/2023</a:t>
+              <a:t>9/29/2023</a:t>
             </a:fld>
             <a:endParaRPr lang="en-US"/>
           </a:p>
@@ -2495,7 +2495,7 @@
             <a:fld id="{1D8BD707-D9CF-40AE-B4C6-C98DA3205C09}" type="datetimeFigureOut">
               <a:rPr lang="en-US" smtClean="0"/>
               <a:pPr/>
-              <a:t>9/28/2023</a:t>
+              <a:t>9/29/2023</a:t>
             </a:fld>
             <a:endParaRPr lang="en-US"/>
           </a:p>
@@ -2733,7 +2733,7 @@
             <a:fld id="{1D8BD707-D9CF-40AE-B4C6-C98DA3205C09}" type="datetimeFigureOut">
               <a:rPr lang="en-US" smtClean="0"/>
               <a:pPr/>
-              <a:t>9/28/2023</a:t>
+              <a:t>9/29/2023</a:t>
             </a:fld>
             <a:endParaRPr lang="en-US"/>
           </a:p>
@@ -3058,7 +3058,7 @@
             <a:fld id="{1D8BD707-D9CF-40AE-B4C6-C98DA3205C09}" type="datetimeFigureOut">
               <a:rPr lang="en-US" smtClean="0"/>
               <a:pPr/>
-              <a:t>9/28/2023</a:t>
+              <a:t>9/29/2023</a:t>
             </a:fld>
             <a:endParaRPr lang="en-US"/>
           </a:p>
@@ -3150,7 +3150,7 @@
             <a:fld id="{1D8BD707-D9CF-40AE-B4C6-C98DA3205C09}" type="datetimeFigureOut">
               <a:rPr lang="en-US" smtClean="0"/>
               <a:pPr/>
-              <a:t>9/28/2023</a:t>
+              <a:t>9/29/2023</a:t>
             </a:fld>
             <a:endParaRPr lang="en-US"/>
           </a:p>
@@ -3669,7 +3669,7 @@
             <a:fld id="{1D8BD707-D9CF-40AE-B4C6-C98DA3205C09}" type="datetimeFigureOut">
               <a:rPr lang="en-US" smtClean="0"/>
               <a:pPr/>
-              <a:t>9/28/2023</a:t>
+              <a:t>9/29/2023</a:t>
             </a:fld>
             <a:endParaRPr lang="en-US"/>
           </a:p>
@@ -4182,7 +4182,7 @@
             <a:fld id="{1D8BD707-D9CF-40AE-B4C6-C98DA3205C09}" type="datetimeFigureOut">
               <a:rPr lang="en-US" smtClean="0"/>
               <a:pPr/>
-              <a:t>9/28/2023</a:t>
+              <a:t>9/29/2023</a:t>
             </a:fld>
             <a:endParaRPr lang="en-US"/>
           </a:p>
@@ -4429,7 +4429,7 @@
             <a:fld id="{1D8BD707-D9CF-40AE-B4C6-C98DA3205C09}" type="datetimeFigureOut">
               <a:rPr lang="en-US" smtClean="0"/>
               <a:pPr/>
-              <a:t>9/28/2023</a:t>
+              <a:t>9/29/2023</a:t>
             </a:fld>
             <a:endParaRPr lang="en-US"/>
           </a:p>
@@ -5086,7 +5086,7 @@
         <p:spPr>
           <a:xfrm>
             <a:off x="2133600" y="2571750"/>
-            <a:ext cx="4572000" cy="923330"/>
+            <a:ext cx="4572000" cy="800219"/>
           </a:xfrm>
           <a:prstGeom prst="rect">
             <a:avLst/>
@@ -5112,7 +5112,7 @@
               </a:rPr>
             </a:br>
             <a:r>
-              <a:rPr lang="en-US" dirty="0" smtClean="0">
+              <a:rPr lang="en-US" sz="1400" dirty="0" smtClean="0">
                 <a:latin typeface="Arial" pitchFamily="34" charset="0"/>
                 <a:cs typeface="Arial" pitchFamily="34" charset="0"/>
               </a:rPr>
@@ -5121,13 +5121,13 @@
           </a:p>
           <a:p>
             <a:r>
-              <a:rPr lang="en-US" dirty="0" err="1" smtClean="0">
+              <a:rPr lang="en-US" sz="1400" dirty="0" err="1" smtClean="0">
                 <a:latin typeface="Arial" pitchFamily="34" charset="0"/>
                 <a:cs typeface="Arial" pitchFamily="34" charset="0"/>
               </a:rPr>
               <a:t>Umaparvathi</a:t>
             </a:r>
-            <a:endParaRPr lang="en-US" dirty="0"/>
+            <a:endParaRPr lang="en-US" sz="1400" dirty="0"/>
           </a:p>
         </p:txBody>
       </p:sp>
@@ -5164,8 +5164,8 @@
         </p:nvSpPr>
         <p:spPr>
           <a:xfrm>
-            <a:off x="609600" y="132636"/>
-            <a:ext cx="7848600" cy="4478149"/>
+            <a:off x="457200" y="0"/>
+            <a:ext cx="7848600" cy="5232202"/>
           </a:xfrm>
           <a:prstGeom prst="rect">
             <a:avLst/>
@@ -5199,7 +5199,7 @@
               </a:spcAft>
             </a:pPr>
             <a:r>
-              <a:rPr lang="en-US" b="1" dirty="0" smtClean="0">
+              <a:rPr lang="en-US" sz="1700" b="1" dirty="0" smtClean="0">
                 <a:ln w="11430"/>
                 <a:gradFill>
                   <a:gsLst>
@@ -5229,35 +5229,118 @@
                 <a:latin typeface="Arial" pitchFamily="34" charset="0"/>
                 <a:cs typeface="Arial" pitchFamily="34" charset="0"/>
               </a:rPr>
-              <a:t>Purpose of Application</a:t>
-            </a:r>
-          </a:p>
-          <a:p>
-            <a:r>
-              <a:rPr lang="en-US" sz="1600" dirty="0" smtClean="0">
+              <a:t>Scope</a:t>
+            </a:r>
+          </a:p>
+          <a:p>
+            <a:pPr>
+              <a:spcBef>
+                <a:spcPts val="600"/>
+              </a:spcBef>
+              <a:spcAft>
+                <a:spcPts val="600"/>
+              </a:spcAft>
+            </a:pPr>
+            <a:r>
+              <a:rPr lang="en-US" sz="1500" dirty="0" smtClean="0">
                 <a:ln w="11430"/>
                 <a:latin typeface="Calibri" pitchFamily="34" charset="0"/>
                 <a:cs typeface="Calibri" pitchFamily="34" charset="0"/>
               </a:rPr>
-              <a:t>The </a:t>
-            </a:r>
-            <a:r>
-              <a:rPr lang="en-US" sz="1600" dirty="0" smtClean="0">
+              <a:t>This Application is limited to receiving the payment information from external payment source and update the payment information in the database.</a:t>
+            </a:r>
+            <a:endParaRPr lang="en-US" sz="1500" dirty="0" smtClean="0">
+              <a:ln w="11430"/>
+              <a:latin typeface="Calibri" pitchFamily="34" charset="0"/>
+              <a:cs typeface="Calibri" pitchFamily="34" charset="0"/>
+            </a:endParaRPr>
+          </a:p>
+          <a:p>
+            <a:pPr>
+              <a:spcBef>
+                <a:spcPts val="600"/>
+              </a:spcBef>
+              <a:spcAft>
+                <a:spcPts val="600"/>
+              </a:spcAft>
+            </a:pPr>
+            <a:r>
+              <a:rPr lang="en-US" sz="1700" b="1" dirty="0" smtClean="0">
+                <a:ln w="11430"/>
+                <a:gradFill>
+                  <a:gsLst>
+                    <a:gs pos="0">
+                      <a:schemeClr val="accent2">
+                        <a:tint val="70000"/>
+                        <a:satMod val="245000"/>
+                      </a:schemeClr>
+                    </a:gs>
+                    <a:gs pos="75000">
+                      <a:schemeClr val="accent2">
+                        <a:tint val="90000"/>
+                        <a:shade val="60000"/>
+                        <a:satMod val="240000"/>
+                      </a:schemeClr>
+                    </a:gs>
+                    <a:gs pos="100000">
+                      <a:schemeClr val="accent2">
+                        <a:tint val="100000"/>
+                        <a:shade val="50000"/>
+                        <a:satMod val="240000"/>
+                      </a:schemeClr>
+                    </a:gs>
+                  </a:gsLst>
+                  <a:lin ang="5400000"/>
+                </a:gradFill>
+                <a:latin typeface="Arial" pitchFamily="34" charset="0"/>
+                <a:cs typeface="Arial" pitchFamily="34" charset="0"/>
+              </a:rPr>
+              <a:t>Purpose </a:t>
+            </a:r>
+            <a:r>
+              <a:rPr lang="en-US" sz="1700" b="1" dirty="0" smtClean="0">
+                <a:ln w="11430"/>
+                <a:gradFill>
+                  <a:gsLst>
+                    <a:gs pos="0">
+                      <a:schemeClr val="accent2">
+                        <a:tint val="70000"/>
+                        <a:satMod val="245000"/>
+                      </a:schemeClr>
+                    </a:gs>
+                    <a:gs pos="75000">
+                      <a:schemeClr val="accent2">
+                        <a:tint val="90000"/>
+                        <a:shade val="60000"/>
+                        <a:satMod val="240000"/>
+                      </a:schemeClr>
+                    </a:gs>
+                    <a:gs pos="100000">
+                      <a:schemeClr val="accent2">
+                        <a:tint val="100000"/>
+                        <a:shade val="50000"/>
+                        <a:satMod val="240000"/>
+                      </a:schemeClr>
+                    </a:gs>
+                  </a:gsLst>
+                  <a:lin ang="5400000"/>
+                </a:gradFill>
+                <a:latin typeface="Arial" pitchFamily="34" charset="0"/>
+                <a:cs typeface="Arial" pitchFamily="34" charset="0"/>
+              </a:rPr>
+              <a:t>of Application</a:t>
+            </a:r>
+          </a:p>
+          <a:p>
+            <a:r>
+              <a:rPr lang="en-US" sz="1500" dirty="0" smtClean="0">
                 <a:ln w="11430"/>
                 <a:latin typeface="Calibri" pitchFamily="34" charset="0"/>
                 <a:cs typeface="Calibri" pitchFamily="34" charset="0"/>
               </a:rPr>
-              <a:t>Application receives payment notifications and stores them in the </a:t>
-            </a:r>
-            <a:r>
-              <a:rPr lang="en-US" sz="1600" dirty="0" smtClean="0">
-                <a:ln w="11430"/>
-                <a:latin typeface="Calibri" pitchFamily="34" charset="0"/>
-                <a:cs typeface="Calibri" pitchFamily="34" charset="0"/>
-              </a:rPr>
-              <a:t>Database.</a:t>
-            </a:r>
-            <a:endParaRPr lang="en-US" sz="1600" dirty="0" smtClean="0">
+              <a:t>The Application receives payment notifications and stores them in the Database.</a:t>
+            </a:r>
+            <a:endParaRPr lang="en-US" sz="1500" dirty="0" smtClean="0">
               <a:ln w="11430"/>
               <a:effectLst>
                 <a:outerShdw blurRad="50800" dist="39000" dir="5460000" algn="tl">
@@ -5280,7 +5363,7 @@
               </a:spcAft>
             </a:pPr>
             <a:r>
-              <a:rPr lang="en-US" b="1" dirty="0" smtClean="0">
+              <a:rPr lang="en-US" sz="1700" b="1" dirty="0" smtClean="0">
                 <a:ln w="11430"/>
                 <a:gradFill>
                   <a:gsLst>
@@ -5315,7 +5398,7 @@
           </a:p>
           <a:p>
             <a:r>
-              <a:rPr lang="en-US" sz="1600" dirty="0" smtClean="0">
+              <a:rPr lang="en-US" sz="1500" dirty="0" smtClean="0">
                 <a:ln w="50800"/>
                 <a:latin typeface="Calibri" pitchFamily="34" charset="0"/>
                 <a:cs typeface="Calibri" pitchFamily="34" charset="0"/>
@@ -5328,7 +5411,7 @@
               <a:buAutoNum type="arabicParenR"/>
             </a:pPr>
             <a:r>
-              <a:rPr lang="en-US" sz="1600" dirty="0" smtClean="0">
+              <a:rPr lang="en-US" sz="1500" dirty="0" smtClean="0">
                 <a:ln w="50800"/>
                 <a:latin typeface="Calibri" pitchFamily="34" charset="0"/>
                 <a:cs typeface="Calibri" pitchFamily="34" charset="0"/>
@@ -5341,7 +5424,7 @@
               <a:buAutoNum type="arabicParenR"/>
             </a:pPr>
             <a:r>
-              <a:rPr lang="en-US" sz="1600" dirty="0" smtClean="0">
+              <a:rPr lang="en-US" sz="1500" dirty="0" smtClean="0">
                 <a:ln w="50800"/>
                 <a:latin typeface="Calibri" pitchFamily="34" charset="0"/>
                 <a:cs typeface="Calibri" pitchFamily="34" charset="0"/>
@@ -5354,7 +5437,7 @@
               <a:buAutoNum type="arabicParenR"/>
             </a:pPr>
             <a:r>
-              <a:rPr lang="en-US" sz="1600" dirty="0" smtClean="0">
+              <a:rPr lang="en-US" sz="1500" dirty="0" smtClean="0">
                 <a:ln w="50800"/>
                 <a:latin typeface="Calibri" pitchFamily="34" charset="0"/>
                 <a:cs typeface="Calibri" pitchFamily="34" charset="0"/>
@@ -5367,7 +5450,7 @@
               <a:buAutoNum type="arabicParenR"/>
             </a:pPr>
             <a:r>
-              <a:rPr lang="en-US" sz="1600" dirty="0" smtClean="0">
+              <a:rPr lang="en-US" sz="1500" dirty="0" smtClean="0">
                 <a:ln w="50800"/>
                 <a:latin typeface="Calibri" pitchFamily="34" charset="0"/>
                 <a:cs typeface="Calibri" pitchFamily="34" charset="0"/>
@@ -5375,14 +5458,14 @@
               <a:t>Amazon </a:t>
             </a:r>
             <a:r>
-              <a:rPr lang="en-US" sz="1600" dirty="0" err="1" smtClean="0">
+              <a:rPr lang="en-US" sz="1500" dirty="0" err="1" smtClean="0">
                 <a:ln w="50800"/>
                 <a:latin typeface="Calibri" pitchFamily="34" charset="0"/>
                 <a:cs typeface="Calibri" pitchFamily="34" charset="0"/>
               </a:rPr>
               <a:t>DynamoDB</a:t>
             </a:r>
-            <a:endParaRPr lang="en-US" dirty="0" smtClean="0">
+            <a:endParaRPr lang="en-US" sz="1500" dirty="0" smtClean="0">
               <a:ln w="50800"/>
               <a:latin typeface="Calibri" pitchFamily="34" charset="0"/>
               <a:cs typeface="Calibri" pitchFamily="34" charset="0"/>
@@ -5398,7 +5481,7 @@
               </a:spcAft>
             </a:pPr>
             <a:r>
-              <a:rPr lang="en-US" b="1" dirty="0" smtClean="0">
+              <a:rPr lang="en-US" sz="1700" b="1" dirty="0" smtClean="0">
                 <a:ln w="11430"/>
                 <a:gradFill>
                   <a:gsLst>
@@ -5425,13 +5508,15 @@
                   </a:gsLst>
                   <a:lin ang="5400000"/>
                 </a:gradFill>
+                <a:latin typeface="Arial" pitchFamily="34" charset="0"/>
+                <a:cs typeface="Arial" pitchFamily="34" charset="0"/>
               </a:rPr>
               <a:t>Data Flow</a:t>
             </a:r>
           </a:p>
           <a:p>
             <a:r>
-              <a:rPr lang="en-US" sz="1600" dirty="0" smtClean="0">
+              <a:rPr lang="en-US" sz="1500" dirty="0" smtClean="0">
                 <a:ln w="50800"/>
                 <a:latin typeface="Calibri" pitchFamily="34" charset="0"/>
                 <a:cs typeface="Calibri" pitchFamily="34" charset="0"/>
@@ -5439,14 +5524,22 @@
               <a:t>The Lambda function receives payment notifications from another application or service, such as SNS, and pushes these notification messages into an SQS Queue. The Queue then forwards these messages to another Lambda function, which validates them and places the messages into </a:t>
             </a:r>
             <a:r>
-              <a:rPr lang="en-US" sz="1600" dirty="0" err="1" smtClean="0">
+              <a:rPr lang="en-US" sz="1500" dirty="0" err="1" smtClean="0">
                 <a:ln w="50800"/>
                 <a:latin typeface="Calibri" pitchFamily="34" charset="0"/>
                 <a:cs typeface="Calibri" pitchFamily="34" charset="0"/>
               </a:rPr>
               <a:t>DynamoDB</a:t>
             </a:r>
-            <a:endParaRPr lang="en-US" sz="1600" dirty="0" smtClean="0">
+            <a:r>
+              <a:rPr lang="en-US" sz="1500" dirty="0" smtClean="0">
+                <a:ln w="50800"/>
+                <a:latin typeface="Calibri" pitchFamily="34" charset="0"/>
+                <a:cs typeface="Calibri" pitchFamily="34" charset="0"/>
+              </a:rPr>
+              <a:t>.</a:t>
+            </a:r>
+            <a:endParaRPr lang="en-US" sz="1500" dirty="0" smtClean="0">
               <a:ln w="11430"/>
               <a:latin typeface="Calibri" pitchFamily="34" charset="0"/>
               <a:cs typeface="Calibri" pitchFamily="34" charset="0"/>
